--- a/res/PS/图片制作.pptx
+++ b/res/PS/图片制作.pptx
@@ -9,6 +9,7 @@
     <p:sldId id="257" r:id="rId3"/>
     <p:sldId id="258" r:id="rId4"/>
     <p:sldId id="259" r:id="rId5"/>
+    <p:sldId id="260" r:id="rId6"/>
   </p:sldIdLst>
   <p:sldSz cx="12192000" cy="6858000"/>
   <p:notesSz cx="6858000" cy="9144000"/>
@@ -246,7 +247,7 @@
           <a:p>
             <a:fld id="{EB0D792D-C9F3-4190-82BD-AF09AC29EA74}" type="datetimeFigureOut">
               <a:rPr lang="zh-CN" altLang="en-US" smtClean="0"/>
-              <a:t>2019/11/22</a:t>
+              <a:t>2019/12/14</a:t>
             </a:fld>
             <a:endParaRPr lang="zh-CN" altLang="en-US"/>
           </a:p>
@@ -416,7 +417,7 @@
           <a:p>
             <a:fld id="{EB0D792D-C9F3-4190-82BD-AF09AC29EA74}" type="datetimeFigureOut">
               <a:rPr lang="zh-CN" altLang="en-US" smtClean="0"/>
-              <a:t>2019/11/22</a:t>
+              <a:t>2019/12/14</a:t>
             </a:fld>
             <a:endParaRPr lang="zh-CN" altLang="en-US"/>
           </a:p>
@@ -596,7 +597,7 @@
           <a:p>
             <a:fld id="{EB0D792D-C9F3-4190-82BD-AF09AC29EA74}" type="datetimeFigureOut">
               <a:rPr lang="zh-CN" altLang="en-US" smtClean="0"/>
-              <a:t>2019/11/22</a:t>
+              <a:t>2019/12/14</a:t>
             </a:fld>
             <a:endParaRPr lang="zh-CN" altLang="en-US"/>
           </a:p>
@@ -766,7 +767,7 @@
           <a:p>
             <a:fld id="{EB0D792D-C9F3-4190-82BD-AF09AC29EA74}" type="datetimeFigureOut">
               <a:rPr lang="zh-CN" altLang="en-US" smtClean="0"/>
-              <a:t>2019/11/22</a:t>
+              <a:t>2019/12/14</a:t>
             </a:fld>
             <a:endParaRPr lang="zh-CN" altLang="en-US"/>
           </a:p>
@@ -1012,7 +1013,7 @@
           <a:p>
             <a:fld id="{EB0D792D-C9F3-4190-82BD-AF09AC29EA74}" type="datetimeFigureOut">
               <a:rPr lang="zh-CN" altLang="en-US" smtClean="0"/>
-              <a:t>2019/11/22</a:t>
+              <a:t>2019/12/14</a:t>
             </a:fld>
             <a:endParaRPr lang="zh-CN" altLang="en-US"/>
           </a:p>
@@ -1244,7 +1245,7 @@
           <a:p>
             <a:fld id="{EB0D792D-C9F3-4190-82BD-AF09AC29EA74}" type="datetimeFigureOut">
               <a:rPr lang="zh-CN" altLang="en-US" smtClean="0"/>
-              <a:t>2019/11/22</a:t>
+              <a:t>2019/12/14</a:t>
             </a:fld>
             <a:endParaRPr lang="zh-CN" altLang="en-US"/>
           </a:p>
@@ -1611,7 +1612,7 @@
           <a:p>
             <a:fld id="{EB0D792D-C9F3-4190-82BD-AF09AC29EA74}" type="datetimeFigureOut">
               <a:rPr lang="zh-CN" altLang="en-US" smtClean="0"/>
-              <a:t>2019/11/22</a:t>
+              <a:t>2019/12/14</a:t>
             </a:fld>
             <a:endParaRPr lang="zh-CN" altLang="en-US"/>
           </a:p>
@@ -1729,7 +1730,7 @@
           <a:p>
             <a:fld id="{EB0D792D-C9F3-4190-82BD-AF09AC29EA74}" type="datetimeFigureOut">
               <a:rPr lang="zh-CN" altLang="en-US" smtClean="0"/>
-              <a:t>2019/11/22</a:t>
+              <a:t>2019/12/14</a:t>
             </a:fld>
             <a:endParaRPr lang="zh-CN" altLang="en-US"/>
           </a:p>
@@ -1824,7 +1825,7 @@
           <a:p>
             <a:fld id="{EB0D792D-C9F3-4190-82BD-AF09AC29EA74}" type="datetimeFigureOut">
               <a:rPr lang="zh-CN" altLang="en-US" smtClean="0"/>
-              <a:t>2019/11/22</a:t>
+              <a:t>2019/12/14</a:t>
             </a:fld>
             <a:endParaRPr lang="zh-CN" altLang="en-US"/>
           </a:p>
@@ -2101,7 +2102,7 @@
           <a:p>
             <a:fld id="{EB0D792D-C9F3-4190-82BD-AF09AC29EA74}" type="datetimeFigureOut">
               <a:rPr lang="zh-CN" altLang="en-US" smtClean="0"/>
-              <a:t>2019/11/22</a:t>
+              <a:t>2019/12/14</a:t>
             </a:fld>
             <a:endParaRPr lang="zh-CN" altLang="en-US"/>
           </a:p>
@@ -2354,7 +2355,7 @@
           <a:p>
             <a:fld id="{EB0D792D-C9F3-4190-82BD-AF09AC29EA74}" type="datetimeFigureOut">
               <a:rPr lang="zh-CN" altLang="en-US" smtClean="0"/>
-              <a:t>2019/11/22</a:t>
+              <a:t>2019/12/14</a:t>
             </a:fld>
             <a:endParaRPr lang="zh-CN" altLang="en-US"/>
           </a:p>
@@ -2567,7 +2568,7 @@
           <a:p>
             <a:fld id="{EB0D792D-C9F3-4190-82BD-AF09AC29EA74}" type="datetimeFigureOut">
               <a:rPr lang="zh-CN" altLang="en-US" smtClean="0"/>
-              <a:t>2019/11/22</a:t>
+              <a:t>2019/12/14</a:t>
             </a:fld>
             <a:endParaRPr lang="zh-CN" altLang="en-US"/>
           </a:p>
@@ -4720,6 +4721,326 @@
 </p:sld>
 </file>
 
+<file path=ppt/slides/slide5.xml><?xml version="1.0" encoding="utf-8"?>
+<p:sld xmlns:a="http://schemas.openxmlformats.org/drawingml/2006/main" xmlns:r="http://schemas.openxmlformats.org/officeDocument/2006/relationships" xmlns:p="http://schemas.openxmlformats.org/presentationml/2006/main">
+  <p:cSld>
+    <p:spTree>
+      <p:nvGrpSpPr>
+        <p:cNvPr id="1" name=""/>
+        <p:cNvGrpSpPr/>
+        <p:nvPr/>
+      </p:nvGrpSpPr>
+      <p:grpSpPr>
+        <a:xfrm>
+          <a:off x="0" y="0"/>
+          <a:ext cx="0" cy="0"/>
+          <a:chOff x="0" y="0"/>
+          <a:chExt cx="0" cy="0"/>
+        </a:xfrm>
+      </p:grpSpPr>
+      <p:pic>
+        <p:nvPicPr>
+          <p:cNvPr id="4" name="图片 3"/>
+          <p:cNvPicPr>
+            <a:picLocks noChangeAspect="1"/>
+          </p:cNvPicPr>
+          <p:nvPr/>
+        </p:nvPicPr>
+        <p:blipFill rotWithShape="1">
+          <a:blip r:embed="rId2" cstate="print">
+            <a:extLst>
+              <a:ext uri="{28A0092B-C50C-407E-A947-70E740481C1C}">
+                <a14:useLocalDpi xmlns:a14="http://schemas.microsoft.com/office/drawing/2010/main" val="0"/>
+              </a:ext>
+            </a:extLst>
+          </a:blip>
+          <a:srcRect l="16887" t="3254" r="26013" b="88766"/>
+          <a:stretch/>
+        </p:blipFill>
+        <p:spPr>
+          <a:xfrm>
+            <a:off x="2113085" y="2013438"/>
+            <a:ext cx="2013440" cy="281353"/>
+          </a:xfrm>
+          <a:prstGeom prst="rect">
+            <a:avLst/>
+          </a:prstGeom>
+        </p:spPr>
+      </p:pic>
+      <p:pic>
+        <p:nvPicPr>
+          <p:cNvPr id="5" name="图片 4"/>
+          <p:cNvPicPr>
+            <a:picLocks noChangeAspect="1"/>
+          </p:cNvPicPr>
+          <p:nvPr/>
+        </p:nvPicPr>
+        <p:blipFill rotWithShape="1">
+          <a:blip r:embed="rId2" cstate="print">
+            <a:extLst>
+              <a:ext uri="{28A0092B-C50C-407E-A947-70E740481C1C}">
+                <a14:useLocalDpi xmlns:a14="http://schemas.microsoft.com/office/drawing/2010/main" val="0"/>
+              </a:ext>
+            </a:extLst>
+          </a:blip>
+          <a:srcRect l="16887" t="12730" r="26013" b="79290"/>
+          <a:stretch/>
+        </p:blipFill>
+        <p:spPr>
+          <a:xfrm>
+            <a:off x="2113085" y="2873618"/>
+            <a:ext cx="2013440" cy="281353"/>
+          </a:xfrm>
+          <a:prstGeom prst="rect">
+            <a:avLst/>
+          </a:prstGeom>
+        </p:spPr>
+      </p:pic>
+      <p:pic>
+        <p:nvPicPr>
+          <p:cNvPr id="6" name="图片 5"/>
+          <p:cNvPicPr>
+            <a:picLocks noChangeAspect="1"/>
+          </p:cNvPicPr>
+          <p:nvPr/>
+        </p:nvPicPr>
+        <p:blipFill rotWithShape="1">
+          <a:blip r:embed="rId2" cstate="print">
+            <a:extLst>
+              <a:ext uri="{28A0092B-C50C-407E-A947-70E740481C1C}">
+                <a14:useLocalDpi xmlns:a14="http://schemas.microsoft.com/office/drawing/2010/main" val="0"/>
+              </a:ext>
+            </a:extLst>
+          </a:blip>
+          <a:srcRect l="16887" t="22207" r="26013" b="69813"/>
+          <a:stretch/>
+        </p:blipFill>
+        <p:spPr>
+          <a:xfrm>
+            <a:off x="2113085" y="3593121"/>
+            <a:ext cx="2013440" cy="281353"/>
+          </a:xfrm>
+          <a:prstGeom prst="rect">
+            <a:avLst/>
+          </a:prstGeom>
+        </p:spPr>
+      </p:pic>
+      <p:pic>
+        <p:nvPicPr>
+          <p:cNvPr id="7" name="图片 6"/>
+          <p:cNvPicPr>
+            <a:picLocks noChangeAspect="1"/>
+          </p:cNvPicPr>
+          <p:nvPr/>
+        </p:nvPicPr>
+        <p:blipFill rotWithShape="1">
+          <a:blip r:embed="rId2" cstate="print">
+            <a:extLst>
+              <a:ext uri="{28A0092B-C50C-407E-A947-70E740481C1C}">
+                <a14:useLocalDpi xmlns:a14="http://schemas.microsoft.com/office/drawing/2010/main" val="0"/>
+              </a:ext>
+            </a:extLst>
+          </a:blip>
+          <a:srcRect l="16887" t="31683" r="26013" b="60337"/>
+          <a:stretch/>
+        </p:blipFill>
+        <p:spPr>
+          <a:xfrm>
+            <a:off x="2113085" y="4396154"/>
+            <a:ext cx="2013440" cy="281353"/>
+          </a:xfrm>
+          <a:prstGeom prst="rect">
+            <a:avLst/>
+          </a:prstGeom>
+        </p:spPr>
+      </p:pic>
+      <p:pic>
+        <p:nvPicPr>
+          <p:cNvPr id="8" name="图片 7"/>
+          <p:cNvPicPr>
+            <a:picLocks noChangeAspect="1"/>
+          </p:cNvPicPr>
+          <p:nvPr/>
+        </p:nvPicPr>
+        <p:blipFill rotWithShape="1">
+          <a:blip r:embed="rId2" cstate="print">
+            <a:extLst>
+              <a:ext uri="{28A0092B-C50C-407E-A947-70E740481C1C}">
+                <a14:useLocalDpi xmlns:a14="http://schemas.microsoft.com/office/drawing/2010/main" val="0"/>
+              </a:ext>
+            </a:extLst>
+          </a:blip>
+          <a:srcRect l="16888" t="40910" r="26012" b="51110"/>
+          <a:stretch/>
+        </p:blipFill>
+        <p:spPr>
+          <a:xfrm>
+            <a:off x="2113085" y="5309087"/>
+            <a:ext cx="2013440" cy="281353"/>
+          </a:xfrm>
+          <a:prstGeom prst="rect">
+            <a:avLst/>
+          </a:prstGeom>
+        </p:spPr>
+      </p:pic>
+      <p:pic>
+        <p:nvPicPr>
+          <p:cNvPr id="9" name="图片 8"/>
+          <p:cNvPicPr>
+            <a:picLocks noChangeAspect="1"/>
+          </p:cNvPicPr>
+          <p:nvPr/>
+        </p:nvPicPr>
+        <p:blipFill rotWithShape="1">
+          <a:blip r:embed="rId2" cstate="print">
+            <a:extLst>
+              <a:ext uri="{28A0092B-C50C-407E-A947-70E740481C1C}">
+                <a14:useLocalDpi xmlns:a14="http://schemas.microsoft.com/office/drawing/2010/main" val="0"/>
+              </a:ext>
+            </a:extLst>
+          </a:blip>
+          <a:srcRect l="16887" t="50635" r="26013" b="41385"/>
+          <a:stretch/>
+        </p:blipFill>
+        <p:spPr>
+          <a:xfrm>
+            <a:off x="5292969" y="1995853"/>
+            <a:ext cx="2013440" cy="281353"/>
+          </a:xfrm>
+          <a:prstGeom prst="rect">
+            <a:avLst/>
+          </a:prstGeom>
+        </p:spPr>
+      </p:pic>
+      <p:pic>
+        <p:nvPicPr>
+          <p:cNvPr id="10" name="图片 9"/>
+          <p:cNvPicPr>
+            <a:picLocks noChangeAspect="1"/>
+          </p:cNvPicPr>
+          <p:nvPr/>
+        </p:nvPicPr>
+        <p:blipFill rotWithShape="1">
+          <a:blip r:embed="rId2" cstate="print">
+            <a:extLst>
+              <a:ext uri="{28A0092B-C50C-407E-A947-70E740481C1C}">
+                <a14:useLocalDpi xmlns:a14="http://schemas.microsoft.com/office/drawing/2010/main" val="0"/>
+              </a:ext>
+            </a:extLst>
+          </a:blip>
+          <a:srcRect l="16887" t="59863" r="26013" b="32157"/>
+          <a:stretch/>
+        </p:blipFill>
+        <p:spPr>
+          <a:xfrm>
+            <a:off x="5292969" y="2873618"/>
+            <a:ext cx="2013440" cy="281353"/>
+          </a:xfrm>
+          <a:prstGeom prst="rect">
+            <a:avLst/>
+          </a:prstGeom>
+        </p:spPr>
+      </p:pic>
+      <p:pic>
+        <p:nvPicPr>
+          <p:cNvPr id="11" name="图片 10"/>
+          <p:cNvPicPr>
+            <a:picLocks noChangeAspect="1"/>
+          </p:cNvPicPr>
+          <p:nvPr/>
+        </p:nvPicPr>
+        <p:blipFill rotWithShape="1">
+          <a:blip r:embed="rId2" cstate="print">
+            <a:extLst>
+              <a:ext uri="{28A0092B-C50C-407E-A947-70E740481C1C}">
+                <a14:useLocalDpi xmlns:a14="http://schemas.microsoft.com/office/drawing/2010/main" val="0"/>
+              </a:ext>
+            </a:extLst>
+          </a:blip>
+          <a:srcRect l="16887" t="69338" r="26013" b="22682"/>
+          <a:stretch/>
+        </p:blipFill>
+        <p:spPr>
+          <a:xfrm>
+            <a:off x="5292969" y="3601912"/>
+            <a:ext cx="2013440" cy="281353"/>
+          </a:xfrm>
+          <a:prstGeom prst="rect">
+            <a:avLst/>
+          </a:prstGeom>
+        </p:spPr>
+      </p:pic>
+      <p:pic>
+        <p:nvPicPr>
+          <p:cNvPr id="12" name="图片 11"/>
+          <p:cNvPicPr>
+            <a:picLocks noChangeAspect="1"/>
+          </p:cNvPicPr>
+          <p:nvPr/>
+        </p:nvPicPr>
+        <p:blipFill rotWithShape="1">
+          <a:blip r:embed="rId2" cstate="print">
+            <a:extLst>
+              <a:ext uri="{28A0092B-C50C-407E-A947-70E740481C1C}">
+                <a14:useLocalDpi xmlns:a14="http://schemas.microsoft.com/office/drawing/2010/main" val="0"/>
+              </a:ext>
+            </a:extLst>
+          </a:blip>
+          <a:srcRect l="16887" t="78815" r="26013" b="13205"/>
+          <a:stretch/>
+        </p:blipFill>
+        <p:spPr>
+          <a:xfrm>
+            <a:off x="5292969" y="4396154"/>
+            <a:ext cx="2013440" cy="281353"/>
+          </a:xfrm>
+          <a:prstGeom prst="rect">
+            <a:avLst/>
+          </a:prstGeom>
+        </p:spPr>
+      </p:pic>
+      <p:pic>
+        <p:nvPicPr>
+          <p:cNvPr id="13" name="图片 12"/>
+          <p:cNvPicPr>
+            <a:picLocks noChangeAspect="1"/>
+          </p:cNvPicPr>
+          <p:nvPr/>
+        </p:nvPicPr>
+        <p:blipFill rotWithShape="1">
+          <a:blip r:embed="rId2" cstate="print">
+            <a:extLst>
+              <a:ext uri="{28A0092B-C50C-407E-A947-70E740481C1C}">
+                <a14:useLocalDpi xmlns:a14="http://schemas.microsoft.com/office/drawing/2010/main" val="0"/>
+              </a:ext>
+            </a:extLst>
+          </a:blip>
+          <a:srcRect l="16887" t="88291" r="26013" b="3729"/>
+          <a:stretch/>
+        </p:blipFill>
+        <p:spPr>
+          <a:xfrm>
+            <a:off x="5292969" y="5309087"/>
+            <a:ext cx="2013440" cy="281353"/>
+          </a:xfrm>
+          <a:prstGeom prst="rect">
+            <a:avLst/>
+          </a:prstGeom>
+        </p:spPr>
+      </p:pic>
+    </p:spTree>
+    <p:extLst>
+      <p:ext uri="{BB962C8B-B14F-4D97-AF65-F5344CB8AC3E}">
+        <p14:creationId xmlns:p14="http://schemas.microsoft.com/office/powerpoint/2010/main" val="1334202042"/>
+      </p:ext>
+    </p:extLst>
+  </p:cSld>
+  <p:clrMapOvr>
+    <a:masterClrMapping/>
+  </p:clrMapOvr>
+</p:sld>
+</file>
+
 <file path=ppt/theme/theme1.xml><?xml version="1.0" encoding="utf-8"?>
 <a:theme xmlns:a="http://schemas.openxmlformats.org/drawingml/2006/main" name="Office 主题​​">
   <a:themeElements>

--- a/res/PS/图片制作.pptx
+++ b/res/PS/图片制作.pptx
@@ -247,7 +247,7 @@
           <a:p>
             <a:fld id="{EB0D792D-C9F3-4190-82BD-AF09AC29EA74}" type="datetimeFigureOut">
               <a:rPr lang="zh-CN" altLang="en-US" smtClean="0"/>
-              <a:t>2019/12/14</a:t>
+              <a:t>2019/12/16</a:t>
             </a:fld>
             <a:endParaRPr lang="zh-CN" altLang="en-US"/>
           </a:p>
@@ -417,7 +417,7 @@
           <a:p>
             <a:fld id="{EB0D792D-C9F3-4190-82BD-AF09AC29EA74}" type="datetimeFigureOut">
               <a:rPr lang="zh-CN" altLang="en-US" smtClean="0"/>
-              <a:t>2019/12/14</a:t>
+              <a:t>2019/12/16</a:t>
             </a:fld>
             <a:endParaRPr lang="zh-CN" altLang="en-US"/>
           </a:p>
@@ -597,7 +597,7 @@
           <a:p>
             <a:fld id="{EB0D792D-C9F3-4190-82BD-AF09AC29EA74}" type="datetimeFigureOut">
               <a:rPr lang="zh-CN" altLang="en-US" smtClean="0"/>
-              <a:t>2019/12/14</a:t>
+              <a:t>2019/12/16</a:t>
             </a:fld>
             <a:endParaRPr lang="zh-CN" altLang="en-US"/>
           </a:p>
@@ -767,7 +767,7 @@
           <a:p>
             <a:fld id="{EB0D792D-C9F3-4190-82BD-AF09AC29EA74}" type="datetimeFigureOut">
               <a:rPr lang="zh-CN" altLang="en-US" smtClean="0"/>
-              <a:t>2019/12/14</a:t>
+              <a:t>2019/12/16</a:t>
             </a:fld>
             <a:endParaRPr lang="zh-CN" altLang="en-US"/>
           </a:p>
@@ -1013,7 +1013,7 @@
           <a:p>
             <a:fld id="{EB0D792D-C9F3-4190-82BD-AF09AC29EA74}" type="datetimeFigureOut">
               <a:rPr lang="zh-CN" altLang="en-US" smtClean="0"/>
-              <a:t>2019/12/14</a:t>
+              <a:t>2019/12/16</a:t>
             </a:fld>
             <a:endParaRPr lang="zh-CN" altLang="en-US"/>
           </a:p>
@@ -1245,7 +1245,7 @@
           <a:p>
             <a:fld id="{EB0D792D-C9F3-4190-82BD-AF09AC29EA74}" type="datetimeFigureOut">
               <a:rPr lang="zh-CN" altLang="en-US" smtClean="0"/>
-              <a:t>2019/12/14</a:t>
+              <a:t>2019/12/16</a:t>
             </a:fld>
             <a:endParaRPr lang="zh-CN" altLang="en-US"/>
           </a:p>
@@ -1612,7 +1612,7 @@
           <a:p>
             <a:fld id="{EB0D792D-C9F3-4190-82BD-AF09AC29EA74}" type="datetimeFigureOut">
               <a:rPr lang="zh-CN" altLang="en-US" smtClean="0"/>
-              <a:t>2019/12/14</a:t>
+              <a:t>2019/12/16</a:t>
             </a:fld>
             <a:endParaRPr lang="zh-CN" altLang="en-US"/>
           </a:p>
@@ -1730,7 +1730,7 @@
           <a:p>
             <a:fld id="{EB0D792D-C9F3-4190-82BD-AF09AC29EA74}" type="datetimeFigureOut">
               <a:rPr lang="zh-CN" altLang="en-US" smtClean="0"/>
-              <a:t>2019/12/14</a:t>
+              <a:t>2019/12/16</a:t>
             </a:fld>
             <a:endParaRPr lang="zh-CN" altLang="en-US"/>
           </a:p>
@@ -1825,7 +1825,7 @@
           <a:p>
             <a:fld id="{EB0D792D-C9F3-4190-82BD-AF09AC29EA74}" type="datetimeFigureOut">
               <a:rPr lang="zh-CN" altLang="en-US" smtClean="0"/>
-              <a:t>2019/12/14</a:t>
+              <a:t>2019/12/16</a:t>
             </a:fld>
             <a:endParaRPr lang="zh-CN" altLang="en-US"/>
           </a:p>
@@ -2102,7 +2102,7 @@
           <a:p>
             <a:fld id="{EB0D792D-C9F3-4190-82BD-AF09AC29EA74}" type="datetimeFigureOut">
               <a:rPr lang="zh-CN" altLang="en-US" smtClean="0"/>
-              <a:t>2019/12/14</a:t>
+              <a:t>2019/12/16</a:t>
             </a:fld>
             <a:endParaRPr lang="zh-CN" altLang="en-US"/>
           </a:p>
@@ -2355,7 +2355,7 @@
           <a:p>
             <a:fld id="{EB0D792D-C9F3-4190-82BD-AF09AC29EA74}" type="datetimeFigureOut">
               <a:rPr lang="zh-CN" altLang="en-US" smtClean="0"/>
-              <a:t>2019/12/14</a:t>
+              <a:t>2019/12/16</a:t>
             </a:fld>
             <a:endParaRPr lang="zh-CN" altLang="en-US"/>
           </a:p>
@@ -2568,7 +2568,7 @@
           <a:p>
             <a:fld id="{EB0D792D-C9F3-4190-82BD-AF09AC29EA74}" type="datetimeFigureOut">
               <a:rPr lang="zh-CN" altLang="en-US" smtClean="0"/>
-              <a:t>2019/12/14</a:t>
+              <a:t>2019/12/16</a:t>
             </a:fld>
             <a:endParaRPr lang="zh-CN" altLang="en-US"/>
           </a:p>
@@ -5028,6 +5028,53 @@
           </a:prstGeom>
         </p:spPr>
       </p:pic>
+      <p:sp>
+        <p:nvSpPr>
+          <p:cNvPr id="2" name="矩形 1"/>
+          <p:cNvSpPr/>
+          <p:nvPr/>
+        </p:nvSpPr>
+        <p:spPr>
+          <a:xfrm>
+            <a:off x="9012115" y="2409092"/>
+            <a:ext cx="720000" cy="720000"/>
+          </a:xfrm>
+          <a:prstGeom prst="rect">
+            <a:avLst/>
+          </a:prstGeom>
+          <a:noFill/>
+          <a:ln w="28575">
+            <a:solidFill>
+              <a:srgbClr val="FF0000"/>
+            </a:solidFill>
+            <a:prstDash val="sysDot"/>
+          </a:ln>
+        </p:spPr>
+        <p:style>
+          <a:lnRef idx="2">
+            <a:schemeClr val="accent1">
+              <a:shade val="50000"/>
+            </a:schemeClr>
+          </a:lnRef>
+          <a:fillRef idx="1">
+            <a:schemeClr val="accent1"/>
+          </a:fillRef>
+          <a:effectRef idx="0">
+            <a:schemeClr val="accent1"/>
+          </a:effectRef>
+          <a:fontRef idx="minor">
+            <a:schemeClr val="lt1"/>
+          </a:fontRef>
+        </p:style>
+        <p:txBody>
+          <a:bodyPr rtlCol="0" anchor="ctr"/>
+          <a:lstStyle/>
+          <a:p>
+            <a:pPr algn="ctr"/>
+            <a:endParaRPr lang="zh-CN" altLang="en-US"/>
+          </a:p>
+        </p:txBody>
+      </p:sp>
     </p:spTree>
     <p:extLst>
       <p:ext uri="{BB962C8B-B14F-4D97-AF65-F5344CB8AC3E}">

--- a/res/PS/图片制作.pptx
+++ b/res/PS/图片制作.pptx
@@ -247,7 +247,7 @@
           <a:p>
             <a:fld id="{EB0D792D-C9F3-4190-82BD-AF09AC29EA74}" type="datetimeFigureOut">
               <a:rPr lang="zh-CN" altLang="en-US" smtClean="0"/>
-              <a:t>2019/12/16</a:t>
+              <a:t>2019/12/19</a:t>
             </a:fld>
             <a:endParaRPr lang="zh-CN" altLang="en-US"/>
           </a:p>
@@ -417,7 +417,7 @@
           <a:p>
             <a:fld id="{EB0D792D-C9F3-4190-82BD-AF09AC29EA74}" type="datetimeFigureOut">
               <a:rPr lang="zh-CN" altLang="en-US" smtClean="0"/>
-              <a:t>2019/12/16</a:t>
+              <a:t>2019/12/19</a:t>
             </a:fld>
             <a:endParaRPr lang="zh-CN" altLang="en-US"/>
           </a:p>
@@ -597,7 +597,7 @@
           <a:p>
             <a:fld id="{EB0D792D-C9F3-4190-82BD-AF09AC29EA74}" type="datetimeFigureOut">
               <a:rPr lang="zh-CN" altLang="en-US" smtClean="0"/>
-              <a:t>2019/12/16</a:t>
+              <a:t>2019/12/19</a:t>
             </a:fld>
             <a:endParaRPr lang="zh-CN" altLang="en-US"/>
           </a:p>
@@ -767,7 +767,7 @@
           <a:p>
             <a:fld id="{EB0D792D-C9F3-4190-82BD-AF09AC29EA74}" type="datetimeFigureOut">
               <a:rPr lang="zh-CN" altLang="en-US" smtClean="0"/>
-              <a:t>2019/12/16</a:t>
+              <a:t>2019/12/19</a:t>
             </a:fld>
             <a:endParaRPr lang="zh-CN" altLang="en-US"/>
           </a:p>
@@ -1013,7 +1013,7 @@
           <a:p>
             <a:fld id="{EB0D792D-C9F3-4190-82BD-AF09AC29EA74}" type="datetimeFigureOut">
               <a:rPr lang="zh-CN" altLang="en-US" smtClean="0"/>
-              <a:t>2019/12/16</a:t>
+              <a:t>2019/12/19</a:t>
             </a:fld>
             <a:endParaRPr lang="zh-CN" altLang="en-US"/>
           </a:p>
@@ -1245,7 +1245,7 @@
           <a:p>
             <a:fld id="{EB0D792D-C9F3-4190-82BD-AF09AC29EA74}" type="datetimeFigureOut">
               <a:rPr lang="zh-CN" altLang="en-US" smtClean="0"/>
-              <a:t>2019/12/16</a:t>
+              <a:t>2019/12/19</a:t>
             </a:fld>
             <a:endParaRPr lang="zh-CN" altLang="en-US"/>
           </a:p>
@@ -1612,7 +1612,7 @@
           <a:p>
             <a:fld id="{EB0D792D-C9F3-4190-82BD-AF09AC29EA74}" type="datetimeFigureOut">
               <a:rPr lang="zh-CN" altLang="en-US" smtClean="0"/>
-              <a:t>2019/12/16</a:t>
+              <a:t>2019/12/19</a:t>
             </a:fld>
             <a:endParaRPr lang="zh-CN" altLang="en-US"/>
           </a:p>
@@ -1730,7 +1730,7 @@
           <a:p>
             <a:fld id="{EB0D792D-C9F3-4190-82BD-AF09AC29EA74}" type="datetimeFigureOut">
               <a:rPr lang="zh-CN" altLang="en-US" smtClean="0"/>
-              <a:t>2019/12/16</a:t>
+              <a:t>2019/12/19</a:t>
             </a:fld>
             <a:endParaRPr lang="zh-CN" altLang="en-US"/>
           </a:p>
@@ -1825,7 +1825,7 @@
           <a:p>
             <a:fld id="{EB0D792D-C9F3-4190-82BD-AF09AC29EA74}" type="datetimeFigureOut">
               <a:rPr lang="zh-CN" altLang="en-US" smtClean="0"/>
-              <a:t>2019/12/16</a:t>
+              <a:t>2019/12/19</a:t>
             </a:fld>
             <a:endParaRPr lang="zh-CN" altLang="en-US"/>
           </a:p>
@@ -2102,7 +2102,7 @@
           <a:p>
             <a:fld id="{EB0D792D-C9F3-4190-82BD-AF09AC29EA74}" type="datetimeFigureOut">
               <a:rPr lang="zh-CN" altLang="en-US" smtClean="0"/>
-              <a:t>2019/12/16</a:t>
+              <a:t>2019/12/19</a:t>
             </a:fld>
             <a:endParaRPr lang="zh-CN" altLang="en-US"/>
           </a:p>
@@ -2355,7 +2355,7 @@
           <a:p>
             <a:fld id="{EB0D792D-C9F3-4190-82BD-AF09AC29EA74}" type="datetimeFigureOut">
               <a:rPr lang="zh-CN" altLang="en-US" smtClean="0"/>
-              <a:t>2019/12/16</a:t>
+              <a:t>2019/12/19</a:t>
             </a:fld>
             <a:endParaRPr lang="zh-CN" altLang="en-US"/>
           </a:p>
@@ -2568,7 +2568,7 @@
           <a:p>
             <a:fld id="{EB0D792D-C9F3-4190-82BD-AF09AC29EA74}" type="datetimeFigureOut">
               <a:rPr lang="zh-CN" altLang="en-US" smtClean="0"/>
-              <a:t>2019/12/16</a:t>
+              <a:t>2019/12/19</a:t>
             </a:fld>
             <a:endParaRPr lang="zh-CN" altLang="en-US"/>
           </a:p>
@@ -5075,6 +5075,129 @@
           </a:p>
         </p:txBody>
       </p:sp>
+      <p:sp>
+        <p:nvSpPr>
+          <p:cNvPr id="3" name="椭圆 2"/>
+          <p:cNvSpPr/>
+          <p:nvPr/>
+        </p:nvSpPr>
+        <p:spPr>
+          <a:xfrm>
+            <a:off x="9012115" y="4237891"/>
+            <a:ext cx="720000" cy="720000"/>
+          </a:xfrm>
+          <a:prstGeom prst="ellipse">
+            <a:avLst/>
+          </a:prstGeom>
+          <a:noFill/>
+          <a:ln w="38100">
+            <a:solidFill>
+              <a:schemeClr val="accent2">
+                <a:lumMod val="60000"/>
+                <a:lumOff val="40000"/>
+              </a:schemeClr>
+            </a:solidFill>
+          </a:ln>
+        </p:spPr>
+        <p:style>
+          <a:lnRef idx="2">
+            <a:schemeClr val="accent1">
+              <a:shade val="50000"/>
+            </a:schemeClr>
+          </a:lnRef>
+          <a:fillRef idx="1">
+            <a:schemeClr val="accent1"/>
+          </a:fillRef>
+          <a:effectRef idx="0">
+            <a:schemeClr val="accent1"/>
+          </a:effectRef>
+          <a:fontRef idx="minor">
+            <a:schemeClr val="lt1"/>
+          </a:fontRef>
+        </p:style>
+        <p:txBody>
+          <a:bodyPr rtlCol="0" anchor="ctr"/>
+          <a:lstStyle/>
+          <a:p>
+            <a:pPr algn="ctr"/>
+            <a:endParaRPr lang="zh-CN" altLang="en-US"/>
+          </a:p>
+        </p:txBody>
+      </p:sp>
+      <p:cxnSp>
+        <p:nvCxnSpPr>
+          <p:cNvPr id="15" name="直接连接符 14"/>
+          <p:cNvCxnSpPr>
+            <a:stCxn id="3" idx="1"/>
+          </p:cNvCxnSpPr>
+          <p:nvPr/>
+        </p:nvCxnSpPr>
+        <p:spPr>
+          <a:xfrm flipH="1">
+            <a:off x="8897815" y="4343333"/>
+            <a:ext cx="219742" cy="255044"/>
+          </a:xfrm>
+          <a:prstGeom prst="line">
+            <a:avLst/>
+          </a:prstGeom>
+          <a:ln w="38100">
+            <a:solidFill>
+              <a:srgbClr val="FF0000"/>
+            </a:solidFill>
+          </a:ln>
+        </p:spPr>
+        <p:style>
+          <a:lnRef idx="1">
+            <a:schemeClr val="accent1"/>
+          </a:lnRef>
+          <a:fillRef idx="0">
+            <a:schemeClr val="accent1"/>
+          </a:fillRef>
+          <a:effectRef idx="0">
+            <a:schemeClr val="accent1"/>
+          </a:effectRef>
+          <a:fontRef idx="minor">
+            <a:schemeClr val="tx1"/>
+          </a:fontRef>
+        </p:style>
+      </p:cxnSp>
+      <p:cxnSp>
+        <p:nvCxnSpPr>
+          <p:cNvPr id="17" name="直接连接符 16"/>
+          <p:cNvCxnSpPr>
+            <a:stCxn id="3" idx="3"/>
+          </p:cNvCxnSpPr>
+          <p:nvPr/>
+        </p:nvCxnSpPr>
+        <p:spPr>
+          <a:xfrm flipH="1" flipV="1">
+            <a:off x="8897815" y="4598377"/>
+            <a:ext cx="219742" cy="254072"/>
+          </a:xfrm>
+          <a:prstGeom prst="line">
+            <a:avLst/>
+          </a:prstGeom>
+          <a:ln w="38100">
+            <a:solidFill>
+              <a:srgbClr val="FF0000"/>
+            </a:solidFill>
+          </a:ln>
+        </p:spPr>
+        <p:style>
+          <a:lnRef idx="1">
+            <a:schemeClr val="accent1"/>
+          </a:lnRef>
+          <a:fillRef idx="0">
+            <a:schemeClr val="accent1"/>
+          </a:fillRef>
+          <a:effectRef idx="0">
+            <a:schemeClr val="accent1"/>
+          </a:effectRef>
+          <a:fontRef idx="minor">
+            <a:schemeClr val="tx1"/>
+          </a:fontRef>
+        </p:style>
+      </p:cxnSp>
     </p:spTree>
     <p:extLst>
       <p:ext uri="{BB962C8B-B14F-4D97-AF65-F5344CB8AC3E}">

--- a/res/PS/图片制作.pptx
+++ b/res/PS/图片制作.pptx
@@ -10,6 +10,7 @@
     <p:sldId id="258" r:id="rId4"/>
     <p:sldId id="259" r:id="rId5"/>
     <p:sldId id="260" r:id="rId6"/>
+    <p:sldId id="261" r:id="rId7"/>
   </p:sldIdLst>
   <p:sldSz cx="12192000" cy="6858000"/>
   <p:notesSz cx="6858000" cy="9144000"/>
@@ -247,7 +248,7 @@
           <a:p>
             <a:fld id="{EB0D792D-C9F3-4190-82BD-AF09AC29EA74}" type="datetimeFigureOut">
               <a:rPr lang="zh-CN" altLang="en-US" smtClean="0"/>
-              <a:t>2019/12/19</a:t>
+              <a:t>2019/12/20</a:t>
             </a:fld>
             <a:endParaRPr lang="zh-CN" altLang="en-US"/>
           </a:p>
@@ -417,7 +418,7 @@
           <a:p>
             <a:fld id="{EB0D792D-C9F3-4190-82BD-AF09AC29EA74}" type="datetimeFigureOut">
               <a:rPr lang="zh-CN" altLang="en-US" smtClean="0"/>
-              <a:t>2019/12/19</a:t>
+              <a:t>2019/12/20</a:t>
             </a:fld>
             <a:endParaRPr lang="zh-CN" altLang="en-US"/>
           </a:p>
@@ -597,7 +598,7 @@
           <a:p>
             <a:fld id="{EB0D792D-C9F3-4190-82BD-AF09AC29EA74}" type="datetimeFigureOut">
               <a:rPr lang="zh-CN" altLang="en-US" smtClean="0"/>
-              <a:t>2019/12/19</a:t>
+              <a:t>2019/12/20</a:t>
             </a:fld>
             <a:endParaRPr lang="zh-CN" altLang="en-US"/>
           </a:p>
@@ -767,7 +768,7 @@
           <a:p>
             <a:fld id="{EB0D792D-C9F3-4190-82BD-AF09AC29EA74}" type="datetimeFigureOut">
               <a:rPr lang="zh-CN" altLang="en-US" smtClean="0"/>
-              <a:t>2019/12/19</a:t>
+              <a:t>2019/12/20</a:t>
             </a:fld>
             <a:endParaRPr lang="zh-CN" altLang="en-US"/>
           </a:p>
@@ -1013,7 +1014,7 @@
           <a:p>
             <a:fld id="{EB0D792D-C9F3-4190-82BD-AF09AC29EA74}" type="datetimeFigureOut">
               <a:rPr lang="zh-CN" altLang="en-US" smtClean="0"/>
-              <a:t>2019/12/19</a:t>
+              <a:t>2019/12/20</a:t>
             </a:fld>
             <a:endParaRPr lang="zh-CN" altLang="en-US"/>
           </a:p>
@@ -1245,7 +1246,7 @@
           <a:p>
             <a:fld id="{EB0D792D-C9F3-4190-82BD-AF09AC29EA74}" type="datetimeFigureOut">
               <a:rPr lang="zh-CN" altLang="en-US" smtClean="0"/>
-              <a:t>2019/12/19</a:t>
+              <a:t>2019/12/20</a:t>
             </a:fld>
             <a:endParaRPr lang="zh-CN" altLang="en-US"/>
           </a:p>
@@ -1612,7 +1613,7 @@
           <a:p>
             <a:fld id="{EB0D792D-C9F3-4190-82BD-AF09AC29EA74}" type="datetimeFigureOut">
               <a:rPr lang="zh-CN" altLang="en-US" smtClean="0"/>
-              <a:t>2019/12/19</a:t>
+              <a:t>2019/12/20</a:t>
             </a:fld>
             <a:endParaRPr lang="zh-CN" altLang="en-US"/>
           </a:p>
@@ -1730,7 +1731,7 @@
           <a:p>
             <a:fld id="{EB0D792D-C9F3-4190-82BD-AF09AC29EA74}" type="datetimeFigureOut">
               <a:rPr lang="zh-CN" altLang="en-US" smtClean="0"/>
-              <a:t>2019/12/19</a:t>
+              <a:t>2019/12/20</a:t>
             </a:fld>
             <a:endParaRPr lang="zh-CN" altLang="en-US"/>
           </a:p>
@@ -1825,7 +1826,7 @@
           <a:p>
             <a:fld id="{EB0D792D-C9F3-4190-82BD-AF09AC29EA74}" type="datetimeFigureOut">
               <a:rPr lang="zh-CN" altLang="en-US" smtClean="0"/>
-              <a:t>2019/12/19</a:t>
+              <a:t>2019/12/20</a:t>
             </a:fld>
             <a:endParaRPr lang="zh-CN" altLang="en-US"/>
           </a:p>
@@ -2102,7 +2103,7 @@
           <a:p>
             <a:fld id="{EB0D792D-C9F3-4190-82BD-AF09AC29EA74}" type="datetimeFigureOut">
               <a:rPr lang="zh-CN" altLang="en-US" smtClean="0"/>
-              <a:t>2019/12/19</a:t>
+              <a:t>2019/12/20</a:t>
             </a:fld>
             <a:endParaRPr lang="zh-CN" altLang="en-US"/>
           </a:p>
@@ -2355,7 +2356,7 @@
           <a:p>
             <a:fld id="{EB0D792D-C9F3-4190-82BD-AF09AC29EA74}" type="datetimeFigureOut">
               <a:rPr lang="zh-CN" altLang="en-US" smtClean="0"/>
-              <a:t>2019/12/19</a:t>
+              <a:t>2019/12/20</a:t>
             </a:fld>
             <a:endParaRPr lang="zh-CN" altLang="en-US"/>
           </a:p>
@@ -2568,7 +2569,7 @@
           <a:p>
             <a:fld id="{EB0D792D-C9F3-4190-82BD-AF09AC29EA74}" type="datetimeFigureOut">
               <a:rPr lang="zh-CN" altLang="en-US" smtClean="0"/>
-              <a:t>2019/12/19</a:t>
+              <a:t>2019/12/20</a:t>
             </a:fld>
             <a:endParaRPr lang="zh-CN" altLang="en-US"/>
           </a:p>
@@ -5211,6 +5212,75 @@
 </p:sld>
 </file>
 
+<file path=ppt/slides/slide6.xml><?xml version="1.0" encoding="utf-8"?>
+<p:sld xmlns:a="http://schemas.openxmlformats.org/drawingml/2006/main" xmlns:r="http://schemas.openxmlformats.org/officeDocument/2006/relationships" xmlns:p="http://schemas.openxmlformats.org/presentationml/2006/main">
+  <p:cSld>
+    <p:spTree>
+      <p:nvGrpSpPr>
+        <p:cNvPr id="1" name=""/>
+        <p:cNvGrpSpPr/>
+        <p:nvPr/>
+      </p:nvGrpSpPr>
+      <p:grpSpPr>
+        <a:xfrm>
+          <a:off x="0" y="0"/>
+          <a:ext cx="0" cy="0"/>
+          <a:chOff x="0" y="0"/>
+          <a:chExt cx="0" cy="0"/>
+        </a:xfrm>
+      </p:grpSpPr>
+      <p:pic>
+        <p:nvPicPr>
+          <p:cNvPr id="8" name="图片 7"/>
+          <p:cNvPicPr>
+            <a:picLocks noChangeAspect="1"/>
+          </p:cNvPicPr>
+          <p:nvPr/>
+        </p:nvPicPr>
+        <p:blipFill>
+          <a:blip r:embed="rId2">
+            <a:extLst>
+              <a:ext uri="{BEBA8EAE-BF5A-486C-A8C5-ECC9F3942E4B}">
+                <a14:imgProps xmlns:a14="http://schemas.microsoft.com/office/drawing/2010/main">
+                  <a14:imgLayer r:embed="rId3">
+                    <a14:imgEffect>
+                      <a14:backgroundRemoval t="10000" b="90000" l="10000" r="90000"/>
+                    </a14:imgEffect>
+                  </a14:imgLayer>
+                </a14:imgProps>
+              </a:ext>
+              <a:ext uri="{28A0092B-C50C-407E-A947-70E740481C1C}">
+                <a14:useLocalDpi xmlns:a14="http://schemas.microsoft.com/office/drawing/2010/main" val="0"/>
+              </a:ext>
+            </a:extLst>
+          </a:blip>
+          <a:stretch>
+            <a:fillRect/>
+          </a:stretch>
+        </p:blipFill>
+        <p:spPr>
+          <a:xfrm>
+            <a:off x="3010285" y="857571"/>
+            <a:ext cx="6171429" cy="5142857"/>
+          </a:xfrm>
+          <a:prstGeom prst="rect">
+            <a:avLst/>
+          </a:prstGeom>
+        </p:spPr>
+      </p:pic>
+    </p:spTree>
+    <p:extLst>
+      <p:ext uri="{BB962C8B-B14F-4D97-AF65-F5344CB8AC3E}">
+        <p14:creationId xmlns:p14="http://schemas.microsoft.com/office/powerpoint/2010/main" val="2339838226"/>
+      </p:ext>
+    </p:extLst>
+  </p:cSld>
+  <p:clrMapOvr>
+    <a:masterClrMapping/>
+  </p:clrMapOvr>
+</p:sld>
+</file>
+
 <file path=ppt/theme/theme1.xml><?xml version="1.0" encoding="utf-8"?>
 <a:theme xmlns:a="http://schemas.openxmlformats.org/drawingml/2006/main" name="Office 主题​​">
   <a:themeElements>
